--- a/active diagram(정주영).pptx
+++ b/active diagram(정주영).pptx
@@ -13065,15 +13065,7 @@
             </a:r>
             <a:r>
               <a:rPr lang="en-US" altLang="ko" sz="1100" dirty="0" smtClean="0"/>
-              <a:t>List </a:t>
-            </a:r>
-            <a:r>
-              <a:rPr lang="en-US" altLang="ko" sz="1100" dirty="0" smtClean="0"/>
-              <a:t>box</a:t>
-            </a:r>
-            <a:r>
-              <a:rPr lang="en-US" altLang="ko" sz="1100" dirty="0" smtClean="0"/>
-              <a:t> </a:t>
+              <a:t>List box </a:t>
             </a:r>
             <a:endParaRPr dirty="0"/>
           </a:p>
@@ -13118,7 +13110,7 @@
         </p:nvSpPr>
         <p:spPr>
           <a:xfrm>
-            <a:off x="4830875" y="2898325"/>
+            <a:off x="4923006" y="2918951"/>
             <a:ext cx="4313100" cy="1714200"/>
           </a:xfrm>
           <a:prstGeom prst="rect">
@@ -13135,24 +13127,24 @@
           </a:bodyPr>
           <a:lstStyle/>
           <a:p>
-            <a:pPr marL="0" marR="0" lvl="0" indent="0" algn="l" rtl="0">
-              <a:lnSpc>
-                <a:spcPct val="100000"/>
-              </a:lnSpc>
-              <a:spcBef>
-                <a:spcPts val="0"/>
-              </a:spcBef>
-              <a:spcAft>
-                <a:spcPts val="0"/>
-              </a:spcAft>
-              <a:buClr>
-                <a:srgbClr val="000000"/>
-              </a:buClr>
-              <a:buFont typeface="Arial"/>
-              <a:buNone/>
+            <a:pPr marL="228600" marR="0" lvl="0" indent="-228600" algn="l" rtl="0">
+              <a:lnSpc>
+                <a:spcPct val="100000"/>
+              </a:lnSpc>
+              <a:spcBef>
+                <a:spcPts val="0"/>
+              </a:spcBef>
+              <a:spcAft>
+                <a:spcPts val="0"/>
+              </a:spcAft>
+              <a:buClr>
+                <a:srgbClr val="000000"/>
+              </a:buClr>
+              <a:buFont typeface="+mj-lt"/>
+              <a:buAutoNum type="arabicPeriod"/>
             </a:pPr>
             <a:r>
-              <a:rPr lang="ko" sz="1000" b="0" i="0" u="none" strike="noStrike" cap="none" dirty="0">
+              <a:rPr lang="ko" sz="1000" b="0" i="0" u="none" strike="noStrike" cap="none" dirty="0" smtClean="0">
                 <a:solidFill>
                   <a:srgbClr val="000000"/>
                 </a:solidFill>
@@ -13161,7 +13153,7 @@
                 <a:cs typeface="Arial"/>
                 <a:sym typeface="Arial"/>
               </a:rPr>
-              <a:t>1. 썸네일을 </a:t>
+              <a:t>썸네일을 </a:t>
             </a:r>
             <a:r>
               <a:rPr lang="ko" sz="1000" b="0" i="0" u="none" strike="noStrike" cap="none" dirty="0" smtClean="0">
@@ -13282,21 +13274,21 @@
             <a:endParaRPr dirty="0"/>
           </a:p>
           <a:p>
-            <a:pPr marL="0" marR="0" lvl="0" indent="0" algn="l" rtl="0">
-              <a:lnSpc>
-                <a:spcPct val="100000"/>
-              </a:lnSpc>
-              <a:spcBef>
-                <a:spcPts val="0"/>
-              </a:spcBef>
-              <a:spcAft>
-                <a:spcPts val="0"/>
-              </a:spcAft>
-              <a:buClr>
-                <a:srgbClr val="000000"/>
-              </a:buClr>
-              <a:buFont typeface="Arial"/>
-              <a:buNone/>
+            <a:pPr marL="228600" marR="0" lvl="0" indent="-228600" algn="l" rtl="0">
+              <a:lnSpc>
+                <a:spcPct val="100000"/>
+              </a:lnSpc>
+              <a:spcBef>
+                <a:spcPts val="0"/>
+              </a:spcBef>
+              <a:spcAft>
+                <a:spcPts val="0"/>
+              </a:spcAft>
+              <a:buClr>
+                <a:srgbClr val="000000"/>
+              </a:buClr>
+              <a:buFont typeface="+mj-lt"/>
+              <a:buAutoNum type="arabicPeriod"/>
             </a:pPr>
             <a:endParaRPr sz="1000" b="0" i="0" u="none" strike="noStrike" cap="none" dirty="0">
               <a:solidFill>
@@ -13309,24 +13301,24 @@
             </a:endParaRPr>
           </a:p>
           <a:p>
-            <a:pPr marL="0" marR="0" lvl="0" indent="0" algn="l" rtl="0">
-              <a:lnSpc>
-                <a:spcPct val="100000"/>
-              </a:lnSpc>
-              <a:spcBef>
-                <a:spcPts val="0"/>
-              </a:spcBef>
-              <a:spcAft>
-                <a:spcPts val="0"/>
-              </a:spcAft>
-              <a:buClr>
-                <a:srgbClr val="000000"/>
-              </a:buClr>
-              <a:buFont typeface="Arial"/>
-              <a:buNone/>
+            <a:pPr marL="228600" marR="0" lvl="0" indent="-228600" algn="l" rtl="0">
+              <a:lnSpc>
+                <a:spcPct val="100000"/>
+              </a:lnSpc>
+              <a:spcBef>
+                <a:spcPts val="0"/>
+              </a:spcBef>
+              <a:spcAft>
+                <a:spcPts val="0"/>
+              </a:spcAft>
+              <a:buClr>
+                <a:srgbClr val="000000"/>
+              </a:buClr>
+              <a:buFont typeface="+mj-lt"/>
+              <a:buAutoNum type="arabicPeriod"/>
             </a:pPr>
             <a:r>
-              <a:rPr lang="ko" sz="1000" b="0" i="0" u="none" strike="noStrike" cap="none" dirty="0">
+              <a:rPr lang="en-US" altLang="ko" sz="1000" b="0" i="0" u="none" strike="noStrike" cap="none" dirty="0" smtClean="0">
                 <a:solidFill>
                   <a:srgbClr val="000000"/>
                 </a:solidFill>
@@ -13335,31 +13327,7 @@
                 <a:cs typeface="Arial"/>
                 <a:sym typeface="Arial"/>
               </a:rPr>
-              <a:t>2</a:t>
-            </a:r>
-            <a:r>
-              <a:rPr lang="ko" sz="1000" b="0" i="0" u="none" strike="noStrike" cap="none" dirty="0" smtClean="0">
-                <a:solidFill>
-                  <a:srgbClr val="000000"/>
-                </a:solidFill>
-                <a:latin typeface="Arial"/>
-                <a:ea typeface="Arial"/>
-                <a:cs typeface="Arial"/>
-                <a:sym typeface="Arial"/>
-              </a:rPr>
-              <a:t>.</a:t>
-            </a:r>
-            <a:r>
-              <a:rPr lang="en-US" altLang="ko" sz="1000" b="0" i="0" u="none" strike="noStrike" cap="none" dirty="0" smtClean="0">
-                <a:solidFill>
-                  <a:srgbClr val="000000"/>
-                </a:solidFill>
-                <a:latin typeface="Arial"/>
-                <a:ea typeface="Arial"/>
-                <a:cs typeface="Arial"/>
-                <a:sym typeface="Arial"/>
-              </a:rPr>
-              <a:t> Slide</a:t>
+              <a:t>Slide</a:t>
             </a:r>
             <a:r>
               <a:rPr lang="ko-KR" altLang="en-US" sz="1000" b="0" i="0" u="none" strike="noStrike" cap="none" dirty="0" smtClean="0">
@@ -13512,23 +13480,23 @@
             <a:endParaRPr dirty="0"/>
           </a:p>
           <a:p>
-            <a:pPr marL="0" marR="0" lvl="0" indent="0" algn="l" rtl="0">
-              <a:lnSpc>
-                <a:spcPct val="100000"/>
-              </a:lnSpc>
-              <a:spcBef>
-                <a:spcPts val="0"/>
-              </a:spcBef>
-              <a:spcAft>
-                <a:spcPts val="0"/>
-              </a:spcAft>
-              <a:buClr>
-                <a:srgbClr val="000000"/>
-              </a:buClr>
-              <a:buFont typeface="Arial"/>
-              <a:buNone/>
+            <a:pPr marL="228600" marR="0" lvl="0" indent="-228600" algn="l" rtl="0">
+              <a:lnSpc>
+                <a:spcPct val="100000"/>
+              </a:lnSpc>
+              <a:spcBef>
+                <a:spcPts val="0"/>
+              </a:spcBef>
+              <a:spcAft>
+                <a:spcPts val="0"/>
+              </a:spcAft>
+              <a:buClr>
+                <a:srgbClr val="000000"/>
+              </a:buClr>
+              <a:buFont typeface="+mj-lt"/>
+              <a:buAutoNum type="arabicPeriod"/>
             </a:pPr>
-            <a:endParaRPr sz="1000" b="0" i="0" u="none" strike="noStrike" cap="none" dirty="0">
+            <a:endParaRPr lang="en-US" sz="1000" b="0" i="0" u="none" strike="noStrike" cap="none" dirty="0" smtClean="0">
               <a:solidFill>
                 <a:srgbClr val="000000"/>
               </a:solidFill>
@@ -13539,14 +13507,10 @@
             </a:endParaRPr>
           </a:p>
           <a:p>
-            <a:r>
-              <a:rPr lang="en-US" altLang="ko-KR" sz="1000" dirty="0" smtClean="0">
-                <a:solidFill>
-                  <a:schemeClr val="dk1"/>
-                </a:solidFill>
-              </a:rPr>
-              <a:t>3. </a:t>
-            </a:r>
+            <a:pPr marL="228600" lvl="0" indent="-228600">
+              <a:buFont typeface="+mj-lt"/>
+              <a:buAutoNum type="arabicPeriod"/>
+            </a:pPr>
             <a:r>
               <a:rPr lang="ko-KR" altLang="en-US" sz="1000" dirty="0">
                 <a:solidFill>
@@ -13556,7 +13520,89 @@
               <a:t>해당 </a:t>
             </a:r>
             <a:r>
-              <a:rPr lang="en-US" altLang="ko-KR" sz="1000" dirty="0">
+              <a:rPr lang="en-US" altLang="ko-KR" sz="1000" dirty="0" smtClean="0">
+                <a:solidFill>
+                  <a:schemeClr val="dk1"/>
+                </a:solidFill>
+              </a:rPr>
+              <a:t>thumbnail click</a:t>
+            </a:r>
+            <a:r>
+              <a:rPr lang="ko-KR" altLang="en-US" sz="1000" dirty="0" smtClean="0">
+                <a:solidFill>
+                  <a:schemeClr val="dk1"/>
+                </a:solidFill>
+              </a:rPr>
+              <a:t>하면 해당 </a:t>
+            </a:r>
+            <a:r>
+              <a:rPr lang="en-US" altLang="ko-KR" sz="1000" dirty="0" smtClean="0">
+                <a:solidFill>
+                  <a:schemeClr val="dk1"/>
+                </a:solidFill>
+              </a:rPr>
+              <a:t>homepage</a:t>
+            </a:r>
+            <a:r>
+              <a:rPr lang="ko-KR" altLang="en-US" sz="1000" dirty="0" smtClean="0">
+                <a:solidFill>
+                  <a:schemeClr val="dk1"/>
+                </a:solidFill>
+              </a:rPr>
+              <a:t>로 이동</a:t>
+            </a:r>
+            <a:endParaRPr lang="en-US" sz="1000" b="0" i="0" u="none" strike="noStrike" cap="none" dirty="0" smtClean="0">
+              <a:solidFill>
+                <a:srgbClr val="000000"/>
+              </a:solidFill>
+              <a:latin typeface="Arial"/>
+              <a:ea typeface="Arial"/>
+              <a:cs typeface="Arial"/>
+              <a:sym typeface="Arial"/>
+            </a:endParaRPr>
+          </a:p>
+          <a:p>
+            <a:pPr marL="228600" marR="0" lvl="0" indent="-228600" algn="l" rtl="0">
+              <a:lnSpc>
+                <a:spcPct val="100000"/>
+              </a:lnSpc>
+              <a:spcBef>
+                <a:spcPts val="0"/>
+              </a:spcBef>
+              <a:spcAft>
+                <a:spcPts val="0"/>
+              </a:spcAft>
+              <a:buClr>
+                <a:srgbClr val="000000"/>
+              </a:buClr>
+              <a:buFont typeface="+mj-lt"/>
+              <a:buAutoNum type="arabicPeriod"/>
+            </a:pPr>
+            <a:endParaRPr sz="1000" b="0" i="0" u="none" strike="noStrike" cap="none" dirty="0">
+              <a:solidFill>
+                <a:srgbClr val="000000"/>
+              </a:solidFill>
+              <a:latin typeface="Arial"/>
+              <a:ea typeface="Arial"/>
+              <a:cs typeface="Arial"/>
+              <a:sym typeface="Arial"/>
+            </a:endParaRPr>
+          </a:p>
+          <a:p>
+            <a:pPr marL="228600" indent="-228600">
+              <a:buFont typeface="+mj-lt"/>
+              <a:buAutoNum type="arabicPeriod"/>
+            </a:pPr>
+            <a:r>
+              <a:rPr lang="ko-KR" altLang="en-US" sz="1000" dirty="0" smtClean="0">
+                <a:solidFill>
+                  <a:schemeClr val="dk1"/>
+                </a:solidFill>
+              </a:rPr>
+              <a:t>해당 </a:t>
+            </a:r>
+            <a:r>
+              <a:rPr lang="en-US" altLang="ko-KR" sz="1000" dirty="0" smtClean="0">
                 <a:solidFill>
                   <a:schemeClr val="dk1"/>
                 </a:solidFill>
@@ -13564,12 +13610,12 @@
               <a:t>thumbnail</a:t>
             </a:r>
             <a:r>
-              <a:rPr lang="ko-KR" altLang="en-US" sz="1000" dirty="0">
+              <a:rPr lang="ko-KR" altLang="en-US" sz="1000" dirty="0" smtClean="0">
                 <a:solidFill>
                   <a:schemeClr val="dk1"/>
                 </a:solidFill>
               </a:rPr>
-              <a:t>을 </a:t>
+              <a:t> </a:t>
             </a:r>
             <a:r>
               <a:rPr lang="ko-KR" altLang="en-US" sz="1000" dirty="0" smtClean="0">
@@ -13692,8 +13738,43 @@
                   <a:schemeClr val="dk1"/>
                 </a:solidFill>
               </a:rPr>
-              <a:t> 따라</a:t>
+              <a:t> </a:t>
             </a:r>
+            <a:r>
+              <a:rPr lang="ko-KR" altLang="en-US" sz="1000" dirty="0" smtClean="0">
+                <a:solidFill>
+                  <a:schemeClr val="dk1"/>
+                </a:solidFill>
+              </a:rPr>
+              <a:t>따라</a:t>
+            </a:r>
+            <a:endParaRPr lang="en-US" altLang="ko-KR" sz="1000" dirty="0" smtClean="0">
+              <a:solidFill>
+                <a:schemeClr val="dk1"/>
+              </a:solidFill>
+            </a:endParaRPr>
+          </a:p>
+          <a:p>
+            <a:pPr marL="228600" indent="-228600">
+              <a:buFont typeface="+mj-ea"/>
+              <a:buAutoNum type="circleNumDbPlain"/>
+            </a:pPr>
+            <a:endParaRPr lang="en-US" altLang="ko-KR" sz="1000" dirty="0">
+              <a:solidFill>
+                <a:schemeClr val="dk1"/>
+              </a:solidFill>
+            </a:endParaRPr>
+          </a:p>
+          <a:p>
+            <a:pPr marL="228600" indent="-228600">
+              <a:buFont typeface="+mj-ea"/>
+              <a:buAutoNum type="circleNumDbPlain"/>
+            </a:pPr>
+            <a:endParaRPr lang="ko-KR" altLang="en-US" sz="1000" dirty="0">
+              <a:solidFill>
+                <a:schemeClr val="dk1"/>
+              </a:solidFill>
+            </a:endParaRPr>
           </a:p>
           <a:p>
             <a:pPr marL="228600" indent="-228600">
@@ -14243,7 +14324,7 @@
           </a:bodyPr>
           <a:lstStyle/>
           <a:p>
-            <a:pPr marL="0" marR="0" lvl="0" indent="0" algn="l" rtl="0">
+            <a:pPr marL="0" marR="0" lvl="0" indent="0" algn="ctr" rtl="0">
               <a:lnSpc>
                 <a:spcPct val="100000"/>
               </a:lnSpc>
@@ -14260,148 +14341,23 @@
               <a:buNone/>
             </a:pPr>
             <a:r>
-              <a:rPr lang="en-US" sz="1000" dirty="0" err="1" smtClean="0">
+              <a:rPr lang="en-US" altLang="ko-KR" sz="1000" dirty="0">
                 <a:solidFill>
                   <a:schemeClr val="dk1"/>
                 </a:solidFill>
               </a:rPr>
-              <a:t>Json</a:t>
+              <a:t>R</a:t>
+            </a:r>
+            <a:r>
+              <a:rPr lang="en-US" altLang="ko-KR" sz="1000" dirty="0" smtClean="0">
+                <a:solidFill>
+                  <a:schemeClr val="dk1"/>
+                </a:solidFill>
+              </a:rPr>
+              <a:t>eset</a:t>
             </a:r>
             <a:r>
               <a:rPr lang="ko-KR" altLang="en-US" sz="1000" dirty="0" smtClean="0">
-                <a:solidFill>
-                  <a:schemeClr val="dk1"/>
-                </a:solidFill>
-              </a:rPr>
-              <a:t>에 있는 </a:t>
-            </a:r>
-            <a:r>
-              <a:rPr lang="en-US" altLang="ko-KR" sz="1000" dirty="0" smtClean="0">
-                <a:solidFill>
-                  <a:schemeClr val="dk1"/>
-                </a:solidFill>
-              </a:rPr>
-              <a:t>data </a:t>
-            </a:r>
-            <a:r>
-              <a:rPr lang="ko-KR" altLang="en-US" sz="1000" dirty="0" smtClean="0">
-                <a:solidFill>
-                  <a:schemeClr val="dk1"/>
-                </a:solidFill>
-              </a:rPr>
-              <a:t>중</a:t>
-            </a:r>
-            <a:endParaRPr lang="en-US" altLang="ko-KR" sz="1000" dirty="0" smtClean="0">
-              <a:solidFill>
-                <a:schemeClr val="dk1"/>
-              </a:solidFill>
-            </a:endParaRPr>
-          </a:p>
-          <a:p>
-            <a:pPr marL="0" marR="0" lvl="0" indent="0" algn="l" rtl="0">
-              <a:lnSpc>
-                <a:spcPct val="100000"/>
-              </a:lnSpc>
-              <a:spcBef>
-                <a:spcPts val="0"/>
-              </a:spcBef>
-              <a:spcAft>
-                <a:spcPts val="0"/>
-              </a:spcAft>
-              <a:buClr>
-                <a:srgbClr val="000000"/>
-              </a:buClr>
-              <a:buFont typeface="Arial"/>
-              <a:buNone/>
-            </a:pPr>
-            <a:endParaRPr lang="en-US" altLang="ko-KR" sz="1000" dirty="0" smtClean="0">
-              <a:solidFill>
-                <a:schemeClr val="dk1"/>
-              </a:solidFill>
-            </a:endParaRPr>
-          </a:p>
-          <a:p>
-            <a:pPr marL="228600" indent="-228600">
-              <a:buAutoNum type="arabicParenBoth"/>
-            </a:pPr>
-            <a:r>
-              <a:rPr lang="ko-KR" altLang="en-US" sz="1000" dirty="0" smtClean="0"/>
-              <a:t>오늘의 </a:t>
-            </a:r>
-            <a:r>
-              <a:rPr lang="ko-KR" altLang="en-US" sz="1000" dirty="0" err="1" smtClean="0"/>
-              <a:t>밀롱가</a:t>
-            </a:r>
-            <a:r>
-              <a:rPr lang="en-US" altLang="ko" sz="1000" dirty="0" smtClean="0"/>
-              <a:t> List</a:t>
-            </a:r>
-            <a:r>
-              <a:rPr lang="ko-KR" altLang="en-US" sz="1000" dirty="0" smtClean="0"/>
-              <a:t>는 </a:t>
-            </a:r>
-            <a:r>
-              <a:rPr lang="ko-KR" altLang="en-US" sz="1000" dirty="0" smtClean="0">
-                <a:solidFill>
-                  <a:schemeClr val="dk1"/>
-                </a:solidFill>
-              </a:rPr>
-              <a:t>요일에 따라</a:t>
-            </a:r>
-            <a:endParaRPr lang="en-US" altLang="ko-KR" sz="1000" dirty="0" smtClean="0">
-              <a:solidFill>
-                <a:schemeClr val="dk1"/>
-              </a:solidFill>
-            </a:endParaRPr>
-          </a:p>
-          <a:p>
-            <a:pPr marL="228600" indent="-228600">
-              <a:buAutoNum type="arabicParenBoth"/>
-            </a:pPr>
-            <a:r>
-              <a:rPr lang="ko-KR" altLang="en-US" sz="1000" dirty="0" smtClean="0">
-                <a:solidFill>
-                  <a:schemeClr val="dk1"/>
-                </a:solidFill>
-              </a:rPr>
-              <a:t>최근 본 </a:t>
-            </a:r>
-            <a:r>
-              <a:rPr lang="en-US" altLang="ko-KR" sz="1000" dirty="0" smtClean="0">
-                <a:solidFill>
-                  <a:schemeClr val="dk1"/>
-                </a:solidFill>
-              </a:rPr>
-              <a:t>list</a:t>
-            </a:r>
-            <a:r>
-              <a:rPr lang="ko-KR" altLang="en-US" sz="1000" dirty="0" smtClean="0">
-                <a:solidFill>
-                  <a:schemeClr val="dk1"/>
-                </a:solidFill>
-              </a:rPr>
-              <a:t>는 클릭 수에 따라</a:t>
-            </a:r>
-            <a:endParaRPr lang="en-US" altLang="ko-KR" sz="1000" dirty="0" smtClean="0">
-              <a:solidFill>
-                <a:schemeClr val="dk1"/>
-              </a:solidFill>
-            </a:endParaRPr>
-          </a:p>
-          <a:p>
-            <a:pPr marL="228600" indent="-228600">
-              <a:buAutoNum type="arabicParenBoth"/>
-            </a:pPr>
-            <a:r>
-              <a:rPr lang="ko-KR" altLang="en-US" sz="1000" dirty="0" smtClean="0">
-                <a:solidFill>
-                  <a:schemeClr val="dk1"/>
-                </a:solidFill>
-              </a:rPr>
-              <a:t>좋아요</a:t>
-            </a:r>
-            <a:r>
-              <a:rPr lang="en-US" altLang="ko-KR" sz="1000" dirty="0" smtClean="0">
                 <a:solidFill>
                   <a:schemeClr val="dk1"/>
                 </a:solidFill>
@@ -14409,93 +14365,12 @@
               <a:t> </a:t>
             </a:r>
             <a:r>
-              <a:rPr lang="ko-KR" altLang="en-US" sz="1000" dirty="0" smtClean="0">
+              <a:rPr lang="en-US" altLang="ko-KR" sz="1000" dirty="0" smtClean="0">
                 <a:solidFill>
                   <a:schemeClr val="dk1"/>
                 </a:solidFill>
               </a:rPr>
-              <a:t>한 </a:t>
-            </a:r>
-            <a:r>
-              <a:rPr lang="en-US" altLang="ko-KR" sz="1000" dirty="0" smtClean="0">
-                <a:solidFill>
-                  <a:schemeClr val="dk1"/>
-                </a:solidFill>
-              </a:rPr>
-              <a:t>list</a:t>
-            </a:r>
-            <a:r>
-              <a:rPr lang="ko-KR" altLang="en-US" sz="1000" dirty="0" smtClean="0">
-                <a:solidFill>
-                  <a:schemeClr val="dk1"/>
-                </a:solidFill>
-              </a:rPr>
-              <a:t>는 좋아요 아이콘 </a:t>
-            </a:r>
-            <a:r>
-              <a:rPr lang="ko-KR" altLang="en-US" sz="1000" dirty="0" err="1" smtClean="0">
-                <a:solidFill>
-                  <a:schemeClr val="dk1"/>
-                </a:solidFill>
-              </a:rPr>
-              <a:t>클릭수에</a:t>
-            </a:r>
-            <a:r>
-              <a:rPr lang="ko-KR" altLang="en-US" sz="1000" dirty="0" smtClean="0">
-                <a:solidFill>
-                  <a:schemeClr val="dk1"/>
-                </a:solidFill>
-              </a:rPr>
-              <a:t> 따라</a:t>
-            </a:r>
-            <a:endParaRPr lang="en-US" altLang="ko-KR" sz="1000" dirty="0" smtClean="0">
-              <a:solidFill>
-                <a:schemeClr val="dk1"/>
-              </a:solidFill>
-            </a:endParaRPr>
-          </a:p>
-          <a:p>
-            <a:pPr marL="228600" indent="-228600">
-              <a:buAutoNum type="arabicParenBoth"/>
-            </a:pPr>
-            <a:endParaRPr lang="en-US" altLang="ko-KR" sz="1000" dirty="0">
-              <a:solidFill>
-                <a:schemeClr val="dk1"/>
-              </a:solidFill>
-            </a:endParaRPr>
-          </a:p>
-          <a:p>
-            <a:r>
-              <a:rPr lang="en-US" altLang="ko-KR" sz="1000" dirty="0" smtClean="0">
-                <a:solidFill>
-                  <a:schemeClr val="dk1"/>
-                </a:solidFill>
-              </a:rPr>
-              <a:t> </a:t>
-            </a:r>
-            <a:r>
-              <a:rPr lang="ko-KR" altLang="en-US" sz="1000" dirty="0" smtClean="0">
-                <a:solidFill>
-                  <a:schemeClr val="dk1"/>
-                </a:solidFill>
-              </a:rPr>
-              <a:t>해당 </a:t>
-            </a:r>
-            <a:r>
-              <a:rPr lang="en-US" altLang="ko-KR" sz="1000" dirty="0" smtClean="0">
-                <a:solidFill>
-                  <a:schemeClr val="dk1"/>
-                </a:solidFill>
-              </a:rPr>
-              <a:t>thumbnail</a:t>
-            </a:r>
-            <a:r>
-              <a:rPr lang="ko-KR" altLang="en-US" sz="1000" dirty="0" smtClean="0">
-                <a:solidFill>
-                  <a:schemeClr val="dk1"/>
-                </a:solidFill>
-              </a:rPr>
-              <a:t>을 가져옴</a:t>
+              <a:t>Thumbnail</a:t>
             </a:r>
             <a:endParaRPr sz="1000" b="0" i="0" u="none" strike="noStrike" cap="none" dirty="0">
               <a:solidFill>
@@ -14944,57 +14819,14 @@
           <a:lstStyle/>
           <a:p>
             <a:pPr algn="ctr"/>
-            <a:endParaRPr lang="en-US" altLang="ko-KR" sz="1000" dirty="0" smtClean="0">
-              <a:solidFill>
-                <a:schemeClr val="dk1"/>
-              </a:solidFill>
-            </a:endParaRPr>
-          </a:p>
-          <a:p>
-            <a:pPr algn="ctr"/>
-            <a:r>
-              <a:rPr lang="ko-KR" altLang="en-US" sz="1000" dirty="0" smtClean="0">
-                <a:solidFill>
-                  <a:schemeClr val="dk1"/>
-                </a:solidFill>
-              </a:rPr>
-              <a:t>해당 </a:t>
-            </a:r>
             <a:r>
               <a:rPr lang="en-US" altLang="ko-KR" sz="1000" dirty="0" smtClean="0">
                 <a:solidFill>
                   <a:schemeClr val="dk1"/>
                 </a:solidFill>
               </a:rPr>
-              <a:t>thumbnail </a:t>
+              <a:t>Thumbnail homepage</a:t>
             </a:r>
-            <a:r>
-              <a:rPr lang="ko-KR" altLang="en-US" sz="1000" dirty="0" smtClean="0">
-                <a:solidFill>
-                  <a:schemeClr val="dk1"/>
-                </a:solidFill>
-              </a:rPr>
-              <a:t>홈페이지로 이동 </a:t>
-            </a:r>
-            <a:endParaRPr lang="ko-KR" altLang="en-US" sz="1000" dirty="0" smtClean="0"/>
-          </a:p>
-          <a:p>
-            <a:pPr marL="0" marR="0" lvl="0" indent="0" algn="ctr" rtl="0">
-              <a:lnSpc>
-                <a:spcPct val="100000"/>
-              </a:lnSpc>
-              <a:spcBef>
-                <a:spcPts val="0"/>
-              </a:spcBef>
-              <a:spcAft>
-                <a:spcPts val="0"/>
-              </a:spcAft>
-              <a:buClr>
-                <a:srgbClr val="000000"/>
-              </a:buClr>
-              <a:buFont typeface="Arial"/>
-              <a:buNone/>
-            </a:pPr>
             <a:endParaRPr sz="1000" b="0" i="0" u="none" strike="noStrike" cap="none" dirty="0">
               <a:solidFill>
                 <a:srgbClr val="000000"/>
@@ -15146,7 +14978,7 @@
         </p:nvSpPr>
         <p:spPr>
           <a:xfrm>
-            <a:off x="101135" y="2584245"/>
+            <a:off x="1918251" y="83410"/>
             <a:ext cx="320100" cy="320100"/>
           </a:xfrm>
           <a:prstGeom prst="roundRect">
@@ -15192,6 +15024,65 @@
             <a:r>
               <a:rPr lang="en-US" dirty="0"/>
               <a:t>3</a:t>
+            </a:r>
+            <a:endParaRPr dirty="0"/>
+          </a:p>
+        </p:txBody>
+      </p:sp>
+      <p:sp>
+        <p:nvSpPr>
+          <p:cNvPr id="29" name="Google Shape;92;p14"/>
+          <p:cNvSpPr/>
+          <p:nvPr/>
+        </p:nvSpPr>
+        <p:spPr>
+          <a:xfrm>
+            <a:off x="869905" y="3300564"/>
+            <a:ext cx="320100" cy="320100"/>
+          </a:xfrm>
+          <a:prstGeom prst="roundRect">
+            <a:avLst>
+              <a:gd name="adj" fmla="val 16667"/>
+            </a:avLst>
+          </a:prstGeom>
+          <a:solidFill>
+            <a:schemeClr val="lt2"/>
+          </a:solidFill>
+          <a:ln w="9525" cap="flat" cmpd="sng">
+            <a:solidFill>
+              <a:schemeClr val="dk2"/>
+            </a:solidFill>
+            <a:prstDash val="solid"/>
+            <a:round/>
+            <a:headEnd type="none" w="sm" len="sm"/>
+            <a:tailEnd type="none" w="sm" len="sm"/>
+          </a:ln>
+        </p:spPr>
+        <p:txBody>
+          <a:bodyPr spcFirstLastPara="1" wrap="square" lIns="91425" tIns="91425" rIns="91425" bIns="91425" anchor="ctr" anchorCtr="0">
+            <a:noAutofit/>
+          </a:bodyPr>
+          <a:lstStyle/>
+          <a:p>
+            <a:pPr marL="0" marR="0" lvl="0" indent="0" algn="l" rtl="0">
+              <a:lnSpc>
+                <a:spcPct val="100000"/>
+              </a:lnSpc>
+              <a:spcBef>
+                <a:spcPts val="0"/>
+              </a:spcBef>
+              <a:spcAft>
+                <a:spcPts val="0"/>
+              </a:spcAft>
+              <a:buClr>
+                <a:srgbClr val="000000"/>
+              </a:buClr>
+              <a:buFont typeface="Arial"/>
+              <a:buNone/>
+            </a:pPr>
+            <a:r>
+              <a:rPr lang="en-US" dirty="0"/>
+              <a:t>4</a:t>
             </a:r>
             <a:endParaRPr dirty="0"/>
           </a:p>
@@ -15561,7 +15452,7 @@
               <a:buAutoNum type="arabicPeriod"/>
             </a:pPr>
             <a:r>
-              <a:rPr lang="ko-KR" altLang="en-US" sz="1000" smtClean="0"/>
+              <a:rPr lang="ko-KR" altLang="en-US" sz="1000" dirty="0" err="1" smtClean="0"/>
               <a:t>현위치를</a:t>
             </a:r>
             <a:r>
@@ -15570,24 +15461,37 @@
             </a:r>
             <a:r>
               <a:rPr lang="ko-KR" altLang="en-US" sz="1000" dirty="0"/>
-              <a:t>기준으로 클릭한 </a:t>
+              <a:t>기준으로 </a:t>
             </a:r>
             <a:r>
-              <a:rPr lang="ko-KR" altLang="en-US" sz="1000" dirty="0" err="1"/>
-              <a:t>거리영역에</a:t>
+              <a:rPr lang="en-US" altLang="ko-KR" sz="1000" dirty="0" smtClean="0"/>
+              <a:t>update </a:t>
             </a:r>
             <a:r>
-              <a:rPr lang="ko-KR" altLang="en-US" sz="1000" dirty="0"/>
-              <a:t> 따라 근처 </a:t>
+              <a:rPr lang="en-US" altLang="ko-KR" sz="1000" dirty="0" err="1" smtClean="0"/>
+              <a:t>buttom</a:t>
             </a:r>
             <a:r>
-              <a:rPr lang="en-US" altLang="ko-KR" sz="1000" dirty="0" err="1"/>
-              <a:t>milonga</a:t>
+              <a:rPr lang="ko-KR" altLang="en-US" sz="1000" dirty="0" smtClean="0"/>
+              <a:t>을 </a:t>
             </a:r>
             <a:r>
-              <a:rPr lang="ko-KR" altLang="en-US" sz="1000" dirty="0"/>
-              <a:t>수 표시 </a:t>
+              <a:rPr lang="en-US" altLang="ko-KR" sz="1000" dirty="0" smtClean="0"/>
+              <a:t>click</a:t>
             </a:r>
+            <a:r>
+              <a:rPr lang="ko-KR" altLang="en-US" sz="1000" dirty="0" smtClean="0"/>
+              <a:t>하면 지도의 기준점에 따라 근처 </a:t>
+            </a:r>
+            <a:r>
+              <a:rPr lang="ko-KR" altLang="en-US" sz="1000" dirty="0" err="1" smtClean="0"/>
+              <a:t>밀롱가</a:t>
+            </a:r>
+            <a:r>
+              <a:rPr lang="ko-KR" altLang="en-US" sz="1000" dirty="0" smtClean="0"/>
+              <a:t> 수 표시</a:t>
+            </a:r>
+            <a:endParaRPr lang="ko-KR" altLang="en-US" sz="1000" dirty="0"/>
           </a:p>
           <a:p>
             <a:pPr marL="228600" marR="0" lvl="0" indent="-228600" algn="l" rtl="0">
@@ -15631,15 +15535,31 @@
             </a:r>
             <a:r>
               <a:rPr lang="ko-KR" altLang="en-US" sz="1000" dirty="0"/>
-              <a:t> 따라 </a:t>
+              <a:t> </a:t>
             </a:r>
             <a:r>
-              <a:rPr lang="ko-KR" altLang="en-US" sz="1000" dirty="0" err="1"/>
-              <a:t>좌표값이</a:t>
+              <a:rPr lang="ko-KR" altLang="en-US" sz="1000" dirty="0" smtClean="0"/>
+              <a:t>해당하는 </a:t>
+            </a:r>
+            <a:r>
+              <a:rPr lang="ko-KR" altLang="en-US" sz="1000" dirty="0" err="1" smtClean="0"/>
+              <a:t>밀롱가</a:t>
+            </a:r>
+            <a:r>
+              <a:rPr lang="ko-KR" altLang="en-US" sz="1000" dirty="0" smtClean="0"/>
+              <a:t> </a:t>
+            </a:r>
+            <a:r>
+              <a:rPr lang="ko-KR" altLang="en-US" sz="1000" dirty="0" err="1" smtClean="0"/>
+              <a:t>좌표점이</a:t>
+            </a:r>
+            <a:r>
+              <a:rPr lang="ko-KR" altLang="en-US" sz="1000" dirty="0" smtClean="0"/>
+              <a:t> </a:t>
             </a:r>
             <a:r>
               <a:rPr lang="ko-KR" altLang="en-US" sz="1000" dirty="0"/>
-              <a:t> 지도에 보임</a:t>
+              <a:t>지도에 보임</a:t>
             </a:r>
           </a:p>
           <a:p>
@@ -15691,8 +15611,8 @@
               <a:t>thumbnail list</a:t>
             </a:r>
             <a:r>
-              <a:rPr lang="ko-KR" altLang="en-US" sz="1000" dirty="0"/>
-              <a:t>정보 </a:t>
+              <a:rPr lang="ko-KR" altLang="en-US" sz="1000" dirty="0" smtClean="0"/>
+              <a:t>정보가 </a:t>
             </a:r>
             <a:r>
               <a:rPr lang="ko-KR" altLang="en-US" sz="1000" dirty="0" err="1" smtClean="0"/>
@@ -17762,6 +17682,34 @@
           </a:p>
         </p:txBody>
       </p:sp>
+      <p:cxnSp>
+        <p:nvCxnSpPr>
+          <p:cNvPr id="51" name="Google Shape;127;p15"/>
+          <p:cNvCxnSpPr>
+            <a:stCxn id="56" idx="1"/>
+          </p:cNvCxnSpPr>
+          <p:nvPr/>
+        </p:nvCxnSpPr>
+        <p:spPr>
+          <a:xfrm flipH="1">
+            <a:off x="781767" y="1357932"/>
+            <a:ext cx="1552112" cy="152380"/>
+          </a:xfrm>
+          <a:prstGeom prst="straightConnector1">
+            <a:avLst/>
+          </a:prstGeom>
+          <a:noFill/>
+          <a:ln w="9525" cap="flat" cmpd="sng">
+            <a:solidFill>
+              <a:schemeClr val="dk2"/>
+            </a:solidFill>
+            <a:prstDash val="solid"/>
+            <a:round/>
+            <a:headEnd type="none" w="sm" len="sm"/>
+            <a:tailEnd type="triangle" w="lg" len="lg"/>
+          </a:ln>
+        </p:spPr>
+      </p:cxnSp>
     </p:spTree>
   </p:cSld>
   <p:clrMapOvr>
